--- a/信息科学与工程学院/信息技术工程导论/软件设计.pptx
+++ b/信息科学与工程学院/信息技术工程导论/软件设计.pptx
@@ -221,7 +221,7 @@
           <a:p>
             <a:fld id="{C397106C-D5AE-420C-BEF8-088D4D6B8388}" type="datetimeFigureOut">
               <a:rPr lang="zh-CN" altLang="en-US" smtClean="0"/>
-              <a:t>2024.10.16</a:t>
+              <a:t>2024.10.20</a:t>
             </a:fld>
             <a:endParaRPr lang="zh-CN" altLang="en-US"/>
           </a:p>
@@ -3668,7 +3668,7 @@
         <p:spPr bwMode="auto">
           <a:xfrm>
             <a:off x="942335" y="332793"/>
-            <a:ext cx="4065203" cy="489585"/>
+            <a:ext cx="4065203" cy="492440"/>
           </a:xfrm>
           <a:prstGeom prst="rect">
             <a:avLst/>
@@ -3864,7 +3864,7 @@
                 </a:solidFill>
                 <a:sym typeface="微软雅黑" panose="020B0503020204020204" pitchFamily="34" charset="-122"/>
               </a:rPr>
-              <a:t>开发</a:t>
+              <a:t>控制中心</a:t>
             </a:r>
             <a:r>
               <a:rPr lang="en-US" altLang="zh-CN" sz="2400" dirty="0">
@@ -3880,64 +3880,6 @@
                 <a:srgbClr val="325B7F"/>
               </a:solidFill>
               <a:sym typeface="微软雅黑" panose="020B0503020204020204" pitchFamily="34" charset="-122"/>
-            </a:endParaRPr>
-          </a:p>
-        </p:txBody>
-      </p:sp>
-      <p:sp>
-        <p:nvSpPr>
-          <p:cNvPr id="13" name="文本框 12">
-            <a:extLst>
-              <a:ext uri="{FF2B5EF4-FFF2-40B4-BE49-F238E27FC236}">
-                <a16:creationId xmlns:a16="http://schemas.microsoft.com/office/drawing/2014/main" id="{4763D41D-34AA-A1BC-9F94-FA0EFB569D3B}"/>
-              </a:ext>
-            </a:extLst>
-          </p:cNvPr>
-          <p:cNvSpPr txBox="1"/>
-          <p:nvPr/>
-        </p:nvSpPr>
-        <p:spPr>
-          <a:xfrm>
-            <a:off x="688819" y="3317032"/>
-            <a:ext cx="10509885" cy="416909"/>
-          </a:xfrm>
-          <a:prstGeom prst="rect">
-            <a:avLst/>
-          </a:prstGeom>
-          <a:noFill/>
-        </p:spPr>
-        <p:txBody>
-          <a:bodyPr wrap="square" rtlCol="0">
-            <a:spAutoFit/>
-          </a:bodyPr>
-          <a:lstStyle/>
-          <a:p>
-            <a:pPr marL="285750" indent="-285750">
-              <a:lnSpc>
-                <a:spcPct val="130000"/>
-              </a:lnSpc>
-              <a:buFont typeface="Wingdings" panose="05000000000000000000" charset="0"/>
-              <a:buChar char="Ø"/>
-            </a:pPr>
-            <a:r>
-              <a:rPr lang="en-US" altLang="zh-CN" dirty="0">
-                <a:latin typeface="Arial" panose="020B0604020202020204" pitchFamily="34" charset="0"/>
-                <a:ea typeface="微软雅黑" panose="020B0503020204020204" pitchFamily="34" charset="-122"/>
-                <a:sym typeface="+mn-ea"/>
-              </a:rPr>
-              <a:t>HID </a:t>
-            </a:r>
-            <a:r>
-              <a:rPr lang="zh-CN" altLang="en-US" dirty="0">
-                <a:latin typeface="Arial" panose="020B0604020202020204" pitchFamily="34" charset="0"/>
-                <a:ea typeface="微软雅黑" panose="020B0503020204020204" pitchFamily="34" charset="-122"/>
-                <a:sym typeface="+mn-ea"/>
-              </a:rPr>
-              <a:t>描述符：存储在设备固件中，以便在设备初始化时检索。</a:t>
-            </a:r>
-            <a:endParaRPr lang="zh-CN" altLang="en-US" dirty="0">
-              <a:latin typeface="Arial" panose="020B0604020202020204" pitchFamily="34" charset="0"/>
-              <a:ea typeface="微软雅黑" panose="020B0503020204020204" pitchFamily="34" charset="-122"/>
             </a:endParaRPr>
           </a:p>
         </p:txBody>
@@ -4200,42 +4142,12 @@
           </p:spPr>
         </p:pic>
       </p:grpSp>
-      <p:pic>
-        <p:nvPicPr>
-          <p:cNvPr id="15" name="Picture 17" title="Figure 2: HID Descriptor Retrieval">
+      <p:sp>
+        <p:nvSpPr>
+          <p:cNvPr id="2" name="文本框 1">
             <a:extLst>
               <a:ext uri="{FF2B5EF4-FFF2-40B4-BE49-F238E27FC236}">
-                <a16:creationId xmlns:a16="http://schemas.microsoft.com/office/drawing/2014/main" id="{70815AA6-CCAC-04BF-14DA-1B852A434A59}"/>
-              </a:ext>
-            </a:extLst>
-          </p:cNvPr>
-          <p:cNvPicPr>
-            <a:picLocks noChangeAspect="1"/>
-          </p:cNvPicPr>
-          <p:nvPr/>
-        </p:nvPicPr>
-        <p:blipFill>
-          <a:blip r:embed="rId5"/>
-          <a:stretch>
-            <a:fillRect/>
-          </a:stretch>
-        </p:blipFill>
-        <p:spPr>
-          <a:xfrm>
-            <a:off x="1987317" y="4108672"/>
-            <a:ext cx="8217365" cy="1565338"/>
-          </a:xfrm>
-          <a:prstGeom prst="rect">
-            <a:avLst/>
-          </a:prstGeom>
-        </p:spPr>
-      </p:pic>
-      <p:sp>
-        <p:nvSpPr>
-          <p:cNvPr id="3" name="文本框 2">
-            <a:extLst>
-              <a:ext uri="{FF2B5EF4-FFF2-40B4-BE49-F238E27FC236}">
-                <a16:creationId xmlns:a16="http://schemas.microsoft.com/office/drawing/2014/main" id="{337341B7-DBAD-84ED-6D91-9DF8F0DCE076}"/>
+                <a16:creationId xmlns:a16="http://schemas.microsoft.com/office/drawing/2014/main" id="{E8D66BC1-2B81-EC50-658D-59788F055291}"/>
               </a:ext>
             </a:extLst>
           </p:cNvPr>
@@ -4244,8 +4156,365 @@
         </p:nvSpPr>
         <p:spPr>
           <a:xfrm>
-            <a:off x="688819" y="961053"/>
-            <a:ext cx="10509885" cy="1981248"/>
+            <a:off x="688818" y="3719509"/>
+            <a:ext cx="10509885" cy="2621423"/>
+          </a:xfrm>
+          <a:prstGeom prst="rect">
+            <a:avLst/>
+          </a:prstGeom>
+          <a:noFill/>
+        </p:spPr>
+        <p:txBody>
+          <a:bodyPr wrap="square" rtlCol="0">
+            <a:spAutoFit/>
+          </a:bodyPr>
+          <a:lstStyle/>
+          <a:p>
+            <a:pPr>
+              <a:lnSpc>
+                <a:spcPct val="130000"/>
+              </a:lnSpc>
+            </a:pPr>
+            <a:r>
+              <a:rPr lang="zh-CN" altLang="en-US" sz="1600" dirty="0">
+                <a:latin typeface="Arial" panose="020B0604020202020204" pitchFamily="34" charset="0"/>
+                <a:ea typeface="微软雅黑" panose="020B0503020204020204" pitchFamily="34" charset="-122"/>
+              </a:rPr>
+              <a:t>技术栈：</a:t>
+            </a:r>
+            <a:endParaRPr lang="en-US" altLang="zh-CN" sz="1600" dirty="0">
+              <a:latin typeface="Arial" panose="020B0604020202020204" pitchFamily="34" charset="0"/>
+              <a:ea typeface="微软雅黑" panose="020B0503020204020204" pitchFamily="34" charset="-122"/>
+            </a:endParaRPr>
+          </a:p>
+          <a:p>
+            <a:pPr marL="285750" indent="-285750">
+              <a:lnSpc>
+                <a:spcPct val="130000"/>
+              </a:lnSpc>
+              <a:buFont typeface="Wingdings" panose="05000000000000000000" charset="0"/>
+              <a:buChar char="Ø"/>
+            </a:pPr>
+            <a:r>
+              <a:rPr lang="zh-CN" altLang="en-US" sz="1600" dirty="0">
+                <a:latin typeface="Arial" panose="020B0604020202020204" pitchFamily="34" charset="0"/>
+                <a:ea typeface="微软雅黑" panose="020B0503020204020204" pitchFamily="34" charset="-122"/>
+              </a:rPr>
+              <a:t>使用 </a:t>
+            </a:r>
+            <a:r>
+              <a:rPr lang="en-US" altLang="zh-CN" sz="1600" dirty="0"/>
+              <a:t>Electron </a:t>
+            </a:r>
+            <a:r>
+              <a:rPr lang="zh-CN" altLang="en-US" sz="1600" dirty="0"/>
+              <a:t>进行控制中心软件开发</a:t>
+            </a:r>
+            <a:endParaRPr lang="en-US" altLang="zh-CN" sz="1600" dirty="0"/>
+          </a:p>
+          <a:p>
+            <a:pPr marL="742950" lvl="1" indent="-285750">
+              <a:lnSpc>
+                <a:spcPct val="130000"/>
+              </a:lnSpc>
+              <a:buFont typeface="Wingdings" panose="05000000000000000000" charset="0"/>
+              <a:buChar char="Ø"/>
+            </a:pPr>
+            <a:r>
+              <a:rPr lang="zh-CN" altLang="en-US" sz="1600" dirty="0">
+                <a:latin typeface="Arial" panose="020B0604020202020204" pitchFamily="34" charset="0"/>
+                <a:ea typeface="微软雅黑" panose="020B0503020204020204" pitchFamily="34" charset="-122"/>
+              </a:rPr>
+              <a:t>优点：成熟框架，大厂背书，易招人；跨平台能力强</a:t>
+            </a:r>
+            <a:endParaRPr lang="en-US" altLang="zh-CN" sz="1600" dirty="0">
+              <a:latin typeface="Arial" panose="020B0604020202020204" pitchFamily="34" charset="0"/>
+              <a:ea typeface="微软雅黑" panose="020B0503020204020204" pitchFamily="34" charset="-122"/>
+            </a:endParaRPr>
+          </a:p>
+          <a:p>
+            <a:pPr marL="742950" lvl="1" indent="-285750">
+              <a:lnSpc>
+                <a:spcPct val="130000"/>
+              </a:lnSpc>
+              <a:buFont typeface="Wingdings" panose="05000000000000000000" charset="0"/>
+              <a:buChar char="Ø"/>
+            </a:pPr>
+            <a:r>
+              <a:rPr lang="zh-CN" altLang="en-US" sz="1600" dirty="0">
+                <a:latin typeface="Arial" panose="020B0604020202020204" pitchFamily="34" charset="0"/>
+                <a:ea typeface="微软雅黑" panose="020B0503020204020204" pitchFamily="34" charset="-122"/>
+              </a:rPr>
+              <a:t>缺点</a:t>
+            </a:r>
+            <a:r>
+              <a:rPr lang="en-US" altLang="zh-CN" sz="1600" dirty="0">
+                <a:latin typeface="Arial" panose="020B0604020202020204" pitchFamily="34" charset="0"/>
+                <a:ea typeface="微软雅黑" panose="020B0503020204020204" pitchFamily="34" charset="-122"/>
+              </a:rPr>
+              <a:t>?</a:t>
+            </a:r>
+            <a:r>
+              <a:rPr lang="zh-CN" altLang="en-US" sz="1600" dirty="0">
+                <a:latin typeface="Arial" panose="020B0604020202020204" pitchFamily="34" charset="0"/>
+                <a:ea typeface="微软雅黑" panose="020B0503020204020204" pitchFamily="34" charset="-122"/>
+              </a:rPr>
+              <a:t>：体积大</a:t>
+            </a:r>
+            <a:endParaRPr lang="en-US" altLang="zh-CN" sz="1600" dirty="0">
+              <a:latin typeface="Arial" panose="020B0604020202020204" pitchFamily="34" charset="0"/>
+              <a:ea typeface="微软雅黑" panose="020B0503020204020204" pitchFamily="34" charset="-122"/>
+            </a:endParaRPr>
+          </a:p>
+          <a:p>
+            <a:pPr marL="285750" indent="-285750">
+              <a:lnSpc>
+                <a:spcPct val="130000"/>
+              </a:lnSpc>
+              <a:buFont typeface="Wingdings" panose="05000000000000000000" charset="0"/>
+              <a:buChar char="Ø"/>
+            </a:pPr>
+            <a:r>
+              <a:rPr lang="en-US" altLang="zh-CN" sz="1600" dirty="0">
+                <a:latin typeface="Arial" panose="020B0604020202020204" pitchFamily="34" charset="0"/>
+                <a:ea typeface="微软雅黑" panose="020B0503020204020204" pitchFamily="34" charset="-122"/>
+              </a:rPr>
+              <a:t>ESP32-S3 </a:t>
+            </a:r>
+            <a:r>
+              <a:rPr lang="zh-CN" altLang="en-US" sz="1600" dirty="0">
+                <a:latin typeface="Arial" panose="020B0604020202020204" pitchFamily="34" charset="0"/>
+                <a:ea typeface="微软雅黑" panose="020B0503020204020204" pitchFamily="34" charset="-122"/>
+              </a:rPr>
+              <a:t>芯片组： </a:t>
+            </a:r>
+            <a:endParaRPr lang="en-US" altLang="zh-CN" sz="1600" dirty="0">
+              <a:latin typeface="Arial" panose="020B0604020202020204" pitchFamily="34" charset="0"/>
+              <a:ea typeface="微软雅黑" panose="020B0503020204020204" pitchFamily="34" charset="-122"/>
+            </a:endParaRPr>
+          </a:p>
+          <a:p>
+            <a:pPr marL="742950" lvl="1" indent="-285750">
+              <a:lnSpc>
+                <a:spcPct val="130000"/>
+              </a:lnSpc>
+              <a:buFont typeface="Wingdings" panose="05000000000000000000" charset="0"/>
+              <a:buChar char="Ø"/>
+            </a:pPr>
+            <a:r>
+              <a:rPr lang="zh-CN" altLang="en-US" sz="1600" dirty="0">
+                <a:latin typeface="Arial" panose="020B0604020202020204" pitchFamily="34" charset="0"/>
+                <a:ea typeface="微软雅黑" panose="020B0503020204020204" pitchFamily="34" charset="-122"/>
+              </a:rPr>
+              <a:t>使用 </a:t>
+            </a:r>
+            <a:r>
+              <a:rPr lang="en-US" altLang="zh-CN" sz="1600" dirty="0" err="1">
+                <a:latin typeface="Arial" panose="020B0604020202020204" pitchFamily="34" charset="0"/>
+                <a:ea typeface="微软雅黑" panose="020B0503020204020204" pitchFamily="34" charset="-122"/>
+              </a:rPr>
+              <a:t>Espressif</a:t>
+            </a:r>
+            <a:r>
+              <a:rPr lang="en-US" altLang="zh-CN" sz="1600" dirty="0">
+                <a:latin typeface="Arial" panose="020B0604020202020204" pitchFamily="34" charset="0"/>
+                <a:ea typeface="微软雅黑" panose="020B0503020204020204" pitchFamily="34" charset="-122"/>
+              </a:rPr>
+              <a:t> </a:t>
+            </a:r>
+            <a:r>
+              <a:rPr lang="zh-CN" altLang="en-US" sz="1600" dirty="0">
+                <a:latin typeface="Arial" panose="020B0604020202020204" pitchFamily="34" charset="0"/>
+                <a:ea typeface="微软雅黑" panose="020B0503020204020204" pitchFamily="34" charset="-122"/>
+              </a:rPr>
+              <a:t>官方 </a:t>
+            </a:r>
+            <a:r>
+              <a:rPr lang="en-US" altLang="zh-CN" sz="1600" dirty="0" err="1">
+                <a:latin typeface="Arial" panose="020B0604020202020204" pitchFamily="34" charset="0"/>
+                <a:ea typeface="微软雅黑" panose="020B0503020204020204" pitchFamily="34" charset="-122"/>
+              </a:rPr>
+              <a:t>esp-idf</a:t>
+            </a:r>
+            <a:r>
+              <a:rPr lang="en-US" altLang="zh-CN" sz="1600" dirty="0">
+                <a:latin typeface="Arial" panose="020B0604020202020204" pitchFamily="34" charset="0"/>
+                <a:ea typeface="微软雅黑" panose="020B0503020204020204" pitchFamily="34" charset="-122"/>
+              </a:rPr>
+              <a:t> </a:t>
+            </a:r>
+            <a:r>
+              <a:rPr lang="zh-CN" altLang="en-US" sz="1600" dirty="0">
+                <a:latin typeface="Arial" panose="020B0604020202020204" pitchFamily="34" charset="0"/>
+                <a:ea typeface="微软雅黑" panose="020B0503020204020204" pitchFamily="34" charset="-122"/>
+              </a:rPr>
+              <a:t>开发工具 </a:t>
+            </a:r>
+            <a:r>
+              <a:rPr lang="en-US" altLang="zh-CN" sz="1600" dirty="0">
+                <a:latin typeface="Arial" panose="020B0604020202020204" pitchFamily="34" charset="0"/>
+                <a:ea typeface="微软雅黑" panose="020B0503020204020204" pitchFamily="34" charset="-122"/>
+              </a:rPr>
+              <a:t>(https://github.com/espressif/esp-idf) </a:t>
+            </a:r>
+            <a:r>
+              <a:rPr lang="zh-CN" altLang="en-US" sz="1600" dirty="0">
+                <a:latin typeface="Arial" panose="020B0604020202020204" pitchFamily="34" charset="0"/>
+                <a:ea typeface="微软雅黑" panose="020B0503020204020204" pitchFamily="34" charset="-122"/>
+              </a:rPr>
+              <a:t>进行开发 </a:t>
+            </a:r>
+            <a:endParaRPr lang="en-US" altLang="zh-CN" sz="1600" dirty="0">
+              <a:latin typeface="Arial" panose="020B0604020202020204" pitchFamily="34" charset="0"/>
+              <a:ea typeface="微软雅黑" panose="020B0503020204020204" pitchFamily="34" charset="-122"/>
+            </a:endParaRPr>
+          </a:p>
+          <a:p>
+            <a:pPr marL="742950" lvl="1" indent="-285750">
+              <a:lnSpc>
+                <a:spcPct val="130000"/>
+              </a:lnSpc>
+              <a:buFont typeface="Wingdings" panose="05000000000000000000" charset="0"/>
+              <a:buChar char="Ø"/>
+            </a:pPr>
+            <a:r>
+              <a:rPr lang="zh-CN" altLang="en-US" sz="1600" dirty="0">
+                <a:latin typeface="Arial" panose="020B0604020202020204" pitchFamily="34" charset="0"/>
+                <a:ea typeface="微软雅黑" panose="020B0503020204020204" pitchFamily="34" charset="-122"/>
+              </a:rPr>
+              <a:t>使用 </a:t>
+            </a:r>
+            <a:r>
+              <a:rPr lang="en-US" altLang="zh-CN" sz="1600" dirty="0">
+                <a:latin typeface="Arial" panose="020B0604020202020204" pitchFamily="34" charset="0"/>
+                <a:ea typeface="微软雅黑" panose="020B0503020204020204" pitchFamily="34" charset="-122"/>
+              </a:rPr>
+              <a:t>Arduino Core for ESP32 (</a:t>
+            </a:r>
+            <a:r>
+              <a:rPr lang="en-US" altLang="zh-CN" sz="1600" dirty="0">
+                <a:latin typeface="Arial" panose="020B0604020202020204" pitchFamily="34" charset="0"/>
+                <a:ea typeface="微软雅黑" panose="020B0503020204020204" pitchFamily="34" charset="-122"/>
+                <a:hlinkClick r:id="rId5"/>
+              </a:rPr>
+              <a:t>https://github.com/espressif/arduino-esp32</a:t>
+            </a:r>
+            <a:r>
+              <a:rPr lang="en-US" altLang="zh-CN" sz="1600" dirty="0">
+                <a:latin typeface="Arial" panose="020B0604020202020204" pitchFamily="34" charset="0"/>
+                <a:ea typeface="微软雅黑" panose="020B0503020204020204" pitchFamily="34" charset="-122"/>
+              </a:rPr>
+              <a:t>) </a:t>
+            </a:r>
+            <a:r>
+              <a:rPr lang="zh-CN" altLang="en-US" sz="1600" dirty="0">
+                <a:latin typeface="Arial" panose="020B0604020202020204" pitchFamily="34" charset="0"/>
+                <a:ea typeface="微软雅黑" panose="020B0503020204020204" pitchFamily="34" charset="-122"/>
+              </a:rPr>
+              <a:t>一站式开发</a:t>
+            </a:r>
+            <a:endParaRPr lang="en-US" altLang="zh-CN" sz="1600" dirty="0">
+              <a:latin typeface="Arial" panose="020B0604020202020204" pitchFamily="34" charset="0"/>
+              <a:ea typeface="微软雅黑" panose="020B0503020204020204" pitchFamily="34" charset="-122"/>
+            </a:endParaRPr>
+          </a:p>
+          <a:p>
+            <a:pPr marL="742950" lvl="1" indent="-285750">
+              <a:lnSpc>
+                <a:spcPct val="130000"/>
+              </a:lnSpc>
+              <a:buFont typeface="Wingdings" panose="05000000000000000000" charset="0"/>
+              <a:buChar char="Ø"/>
+            </a:pPr>
+            <a:r>
+              <a:rPr lang="zh-CN" altLang="en-US" sz="1600" dirty="0">
+                <a:latin typeface="Arial" panose="020B0604020202020204" pitchFamily="34" charset="0"/>
+                <a:ea typeface="微软雅黑" panose="020B0503020204020204" pitchFamily="34" charset="-122"/>
+              </a:rPr>
+              <a:t>使用 </a:t>
+            </a:r>
+            <a:r>
+              <a:rPr lang="en-US" altLang="zh-CN" sz="1600" dirty="0" err="1">
+                <a:latin typeface="Arial" panose="020B0604020202020204" pitchFamily="34" charset="0"/>
+                <a:ea typeface="微软雅黑" panose="020B0503020204020204" pitchFamily="34" charset="-122"/>
+              </a:rPr>
+              <a:t>esp</a:t>
+            </a:r>
+            <a:r>
+              <a:rPr lang="en-US" altLang="zh-CN" sz="1600" dirty="0">
+                <a:latin typeface="Arial" panose="020B0604020202020204" pitchFamily="34" charset="0"/>
+                <a:ea typeface="微软雅黑" panose="020B0503020204020204" pitchFamily="34" charset="-122"/>
+              </a:rPr>
+              <a:t>-</a:t>
+            </a:r>
+            <a:r>
+              <a:rPr lang="en-US" altLang="zh-CN" sz="1600" dirty="0" err="1">
+                <a:latin typeface="Arial" panose="020B0604020202020204" pitchFamily="34" charset="0"/>
+                <a:ea typeface="微软雅黑" panose="020B0503020204020204" pitchFamily="34" charset="-122"/>
+              </a:rPr>
+              <a:t>idf</a:t>
+            </a:r>
+            <a:r>
+              <a:rPr lang="en-US" altLang="zh-CN" sz="1600" dirty="0">
+                <a:latin typeface="Arial" panose="020B0604020202020204" pitchFamily="34" charset="0"/>
+                <a:ea typeface="微软雅黑" panose="020B0503020204020204" pitchFamily="34" charset="-122"/>
+              </a:rPr>
+              <a:t>-sys (https://github.com/esp-rs/esp-idf-sys) </a:t>
+            </a:r>
+            <a:r>
+              <a:rPr lang="zh-CN" altLang="en-US" sz="1600" dirty="0">
+                <a:latin typeface="Arial" panose="020B0604020202020204" pitchFamily="34" charset="0"/>
+                <a:ea typeface="微软雅黑" panose="020B0503020204020204" pitchFamily="34" charset="-122"/>
+              </a:rPr>
+              <a:t>进行 </a:t>
+            </a:r>
+            <a:r>
+              <a:rPr lang="en-US" altLang="zh-CN" sz="1600" dirty="0">
+                <a:latin typeface="Arial" panose="020B0604020202020204" pitchFamily="34" charset="0"/>
+                <a:ea typeface="微软雅黑" panose="020B0503020204020204" pitchFamily="34" charset="-122"/>
+              </a:rPr>
+              <a:t>Rust </a:t>
+            </a:r>
+            <a:r>
+              <a:rPr lang="zh-CN" altLang="en-US" sz="1600" dirty="0">
+                <a:latin typeface="Arial" panose="020B0604020202020204" pitchFamily="34" charset="0"/>
+                <a:ea typeface="微软雅黑" panose="020B0503020204020204" pitchFamily="34" charset="-122"/>
+              </a:rPr>
+              <a:t>和 </a:t>
+            </a:r>
+            <a:r>
+              <a:rPr lang="en-US" altLang="zh-CN" sz="1600" dirty="0">
+                <a:latin typeface="Arial" panose="020B0604020202020204" pitchFamily="34" charset="0"/>
+                <a:ea typeface="微软雅黑" panose="020B0503020204020204" pitchFamily="34" charset="-122"/>
+              </a:rPr>
+              <a:t>C </a:t>
+            </a:r>
+            <a:r>
+              <a:rPr lang="zh-CN" altLang="en-US" sz="1600" dirty="0">
+                <a:latin typeface="Arial" panose="020B0604020202020204" pitchFamily="34" charset="0"/>
+                <a:ea typeface="微软雅黑" panose="020B0503020204020204" pitchFamily="34" charset="-122"/>
+              </a:rPr>
+              <a:t>语言的混合开发</a:t>
+            </a:r>
+          </a:p>
+        </p:txBody>
+      </p:sp>
+      <p:sp>
+        <p:nvSpPr>
+          <p:cNvPr id="4" name="文本框 3">
+            <a:extLst>
+              <a:ext uri="{FF2B5EF4-FFF2-40B4-BE49-F238E27FC236}">
+                <a16:creationId xmlns:a16="http://schemas.microsoft.com/office/drawing/2014/main" id="{EDB8315A-AAA5-932D-3526-F3CFA4C75F5A}"/>
+              </a:ext>
+            </a:extLst>
+          </p:cNvPr>
+          <p:cNvSpPr txBox="1"/>
+          <p:nvPr/>
+        </p:nvSpPr>
+        <p:spPr>
+          <a:xfrm>
+            <a:off x="688818" y="1098086"/>
+            <a:ext cx="10509885" cy="2621423"/>
           </a:xfrm>
           <a:prstGeom prst="rect">
             <a:avLst/>
@@ -4270,21 +4539,7 @@
                 <a:latin typeface="Arial" panose="020B0604020202020204" pitchFamily="34" charset="0"/>
                 <a:ea typeface="微软雅黑" panose="020B0503020204020204" pitchFamily="34" charset="-122"/>
               </a:rPr>
-              <a:t>针对 </a:t>
-            </a:r>
-            <a:r>
-              <a:rPr lang="en-US" altLang="zh-CN" sz="1600" dirty="0">
-                <a:latin typeface="Arial" panose="020B0604020202020204" pitchFamily="34" charset="0"/>
-                <a:ea typeface="微软雅黑" panose="020B0503020204020204" pitchFamily="34" charset="-122"/>
-              </a:rPr>
-              <a:t>ESP32-S3 </a:t>
-            </a:r>
-            <a:r>
-              <a:rPr lang="zh-CN" altLang="en-US" sz="1600" dirty="0">
-                <a:latin typeface="Arial" panose="020B0604020202020204" pitchFamily="34" charset="0"/>
-                <a:ea typeface="微软雅黑" panose="020B0503020204020204" pitchFamily="34" charset="-122"/>
-              </a:rPr>
-              <a:t>芯片组，有几种不同的开发方式： </a:t>
+              <a:t>输入：</a:t>
             </a:r>
             <a:endParaRPr lang="en-US" altLang="zh-CN" sz="1600" dirty="0">
               <a:latin typeface="Arial" panose="020B0604020202020204" pitchFamily="34" charset="0"/>
@@ -4304,135 +4559,7 @@
                 <a:latin typeface="Arial" panose="020B0604020202020204" pitchFamily="34" charset="0"/>
                 <a:ea typeface="微软雅黑" panose="020B0503020204020204" pitchFamily="34" charset="-122"/>
               </a:rPr>
-              <a:t>使用 </a:t>
-            </a:r>
-            <a:r>
-              <a:rPr lang="en-US" altLang="zh-CN" sz="1600" dirty="0" err="1">
-                <a:latin typeface="Arial" panose="020B0604020202020204" pitchFamily="34" charset="0"/>
-                <a:ea typeface="微软雅黑" panose="020B0503020204020204" pitchFamily="34" charset="-122"/>
-              </a:rPr>
-              <a:t>Espressif</a:t>
-            </a:r>
-            <a:r>
-              <a:rPr lang="en-US" altLang="zh-CN" sz="1600" dirty="0">
-                <a:latin typeface="Arial" panose="020B0604020202020204" pitchFamily="34" charset="0"/>
-                <a:ea typeface="微软雅黑" panose="020B0503020204020204" pitchFamily="34" charset="-122"/>
-              </a:rPr>
-              <a:t> </a:t>
-            </a:r>
-            <a:r>
-              <a:rPr lang="zh-CN" altLang="en-US" sz="1600" dirty="0">
-                <a:latin typeface="Arial" panose="020B0604020202020204" pitchFamily="34" charset="0"/>
-                <a:ea typeface="微软雅黑" panose="020B0503020204020204" pitchFamily="34" charset="-122"/>
-              </a:rPr>
-              <a:t>官方 </a:t>
-            </a:r>
-            <a:r>
-              <a:rPr lang="en-US" altLang="zh-CN" sz="1600" dirty="0" err="1">
-                <a:latin typeface="Arial" panose="020B0604020202020204" pitchFamily="34" charset="0"/>
-                <a:ea typeface="微软雅黑" panose="020B0503020204020204" pitchFamily="34" charset="-122"/>
-              </a:rPr>
-              <a:t>esp-idf</a:t>
-            </a:r>
-            <a:r>
-              <a:rPr lang="en-US" altLang="zh-CN" sz="1600" dirty="0">
-                <a:latin typeface="Arial" panose="020B0604020202020204" pitchFamily="34" charset="0"/>
-                <a:ea typeface="微软雅黑" panose="020B0503020204020204" pitchFamily="34" charset="-122"/>
-              </a:rPr>
-              <a:t> </a:t>
-            </a:r>
-            <a:r>
-              <a:rPr lang="zh-CN" altLang="en-US" sz="1600" dirty="0">
-                <a:latin typeface="Arial" panose="020B0604020202020204" pitchFamily="34" charset="0"/>
-                <a:ea typeface="微软雅黑" panose="020B0503020204020204" pitchFamily="34" charset="-122"/>
-              </a:rPr>
-              <a:t>开发工具进行开发 </a:t>
-            </a:r>
-            <a:r>
-              <a:rPr lang="en-US" altLang="zh-CN" sz="1600" dirty="0">
-                <a:latin typeface="Arial" panose="020B0604020202020204" pitchFamily="34" charset="0"/>
-                <a:ea typeface="微软雅黑" panose="020B0503020204020204" pitchFamily="34" charset="-122"/>
-              </a:rPr>
-              <a:t>(</a:t>
-            </a:r>
-            <a:r>
-              <a:rPr lang="en-US" altLang="zh-CN" sz="1600" dirty="0">
-                <a:latin typeface="Arial" panose="020B0604020202020204" pitchFamily="34" charset="0"/>
-                <a:ea typeface="微软雅黑" panose="020B0503020204020204" pitchFamily="34" charset="-122"/>
-                <a:hlinkClick r:id="rId6"/>
-              </a:rPr>
-              <a:t>https://github.com/espressif/esp-idf</a:t>
-            </a:r>
-            <a:r>
-              <a:rPr lang="en-US" altLang="zh-CN" sz="1600" dirty="0">
-                <a:latin typeface="Arial" panose="020B0604020202020204" pitchFamily="34" charset="0"/>
-                <a:ea typeface="微软雅黑" panose="020B0503020204020204" pitchFamily="34" charset="-122"/>
-              </a:rPr>
-              <a:t>) </a:t>
-            </a:r>
-          </a:p>
-          <a:p>
-            <a:pPr marL="1200150" lvl="2" indent="-285750">
-              <a:lnSpc>
-                <a:spcPct val="130000"/>
-              </a:lnSpc>
-              <a:buFont typeface="Wingdings" panose="05000000000000000000" charset="0"/>
-              <a:buChar char="Ø"/>
-            </a:pPr>
-            <a:r>
-              <a:rPr lang="en-US" altLang="zh-CN" sz="1600" dirty="0">
-                <a:latin typeface="Arial" panose="020B0604020202020204" pitchFamily="34" charset="0"/>
-                <a:ea typeface="微软雅黑" panose="020B0503020204020204" pitchFamily="34" charset="-122"/>
-              </a:rPr>
-              <a:t>idf.py create-project xxx</a:t>
-            </a:r>
-          </a:p>
-          <a:p>
-            <a:pPr marL="742950" lvl="1" indent="-285750">
-              <a:lnSpc>
-                <a:spcPct val="130000"/>
-              </a:lnSpc>
-              <a:buFont typeface="Wingdings" panose="05000000000000000000" charset="0"/>
-              <a:buChar char="Ø"/>
-            </a:pPr>
-            <a:r>
-              <a:rPr lang="zh-CN" altLang="en-US" sz="1600" dirty="0">
-                <a:latin typeface="Arial" panose="020B0604020202020204" pitchFamily="34" charset="0"/>
-                <a:ea typeface="微软雅黑" panose="020B0503020204020204" pitchFamily="34" charset="-122"/>
-              </a:rPr>
-              <a:t>使用 </a:t>
-            </a:r>
-            <a:r>
-              <a:rPr lang="en-US" altLang="zh-CN" sz="1600" dirty="0">
-                <a:latin typeface="Arial" panose="020B0604020202020204" pitchFamily="34" charset="0"/>
-                <a:ea typeface="微软雅黑" panose="020B0503020204020204" pitchFamily="34" charset="-122"/>
-              </a:rPr>
-              <a:t>Arduino Core for ESP32 (https://github.com/espressif/arduino-esp32)</a:t>
-            </a:r>
-            <a:r>
-              <a:rPr lang="zh-CN" altLang="en-US" sz="1600" dirty="0">
-                <a:latin typeface="Arial" panose="020B0604020202020204" pitchFamily="34" charset="0"/>
-                <a:ea typeface="微软雅黑" panose="020B0503020204020204" pitchFamily="34" charset="-122"/>
-              </a:rPr>
-              <a:t>，直接使用 </a:t>
-            </a:r>
-            <a:r>
-              <a:rPr lang="en-US" altLang="zh-CN" sz="1600" dirty="0">
-                <a:latin typeface="Arial" panose="020B0604020202020204" pitchFamily="34" charset="0"/>
-                <a:ea typeface="微软雅黑" panose="020B0503020204020204" pitchFamily="34" charset="-122"/>
-              </a:rPr>
-              <a:t>Arduino IDE + </a:t>
-            </a:r>
-            <a:r>
-              <a:rPr lang="en-US" altLang="zh-CN" sz="1600" dirty="0"/>
-              <a:t>Boards Manager </a:t>
-            </a:r>
-            <a:r>
-              <a:rPr lang="zh-CN" altLang="en-US" sz="1600" dirty="0">
-                <a:latin typeface="Arial" panose="020B0604020202020204" pitchFamily="34" charset="0"/>
-                <a:ea typeface="微软雅黑" panose="020B0503020204020204" pitchFamily="34" charset="-122"/>
-              </a:rPr>
-              <a:t>进行开发。 </a:t>
+              <a:t>扳机：线性与微动可调</a:t>
             </a:r>
             <a:endParaRPr lang="en-US" altLang="zh-CN" sz="1600" dirty="0">
               <a:latin typeface="Arial" panose="020B0604020202020204" pitchFamily="34" charset="0"/>
@@ -4452,85 +4579,264 @@
                 <a:latin typeface="Arial" panose="020B0604020202020204" pitchFamily="34" charset="0"/>
                 <a:ea typeface="微软雅黑" panose="020B0503020204020204" pitchFamily="34" charset="-122"/>
               </a:rPr>
-              <a:t>使用 </a:t>
+              <a:t>摇杆校准</a:t>
             </a:r>
+            <a:endParaRPr lang="en-US" altLang="zh-CN" sz="1600" dirty="0">
+              <a:latin typeface="Arial" panose="020B0604020202020204" pitchFamily="34" charset="0"/>
+              <a:ea typeface="微软雅黑" panose="020B0503020204020204" pitchFamily="34" charset="-122"/>
+            </a:endParaRPr>
+          </a:p>
+          <a:p>
+            <a:pPr marL="742950" lvl="1" indent="-285750">
+              <a:lnSpc>
+                <a:spcPct val="130000"/>
+              </a:lnSpc>
+              <a:buFont typeface="Wingdings" panose="05000000000000000000" charset="0"/>
+              <a:buChar char="Ø"/>
+            </a:pPr>
             <a:r>
-              <a:rPr lang="en-US" altLang="zh-CN" sz="1600" dirty="0" err="1">
+              <a:rPr lang="zh-CN" altLang="en-US" sz="1600" dirty="0">
                 <a:latin typeface="Arial" panose="020B0604020202020204" pitchFamily="34" charset="0"/>
                 <a:ea typeface="微软雅黑" panose="020B0503020204020204" pitchFamily="34" charset="-122"/>
               </a:rPr>
-              <a:t>esp</a:t>
+              <a:t>回报率调整（</a:t>
             </a:r>
             <a:r>
               <a:rPr lang="en-US" altLang="zh-CN" sz="1600" dirty="0">
                 <a:latin typeface="Arial" panose="020B0604020202020204" pitchFamily="34" charset="0"/>
                 <a:ea typeface="微软雅黑" panose="020B0503020204020204" pitchFamily="34" charset="-122"/>
               </a:rPr>
-              <a:t>-</a:t>
+              <a:t>125Hz - 1000Hz</a:t>
             </a:r>
             <a:r>
-              <a:rPr lang="en-US" altLang="zh-CN" sz="1600" dirty="0" err="1">
+              <a:rPr lang="zh-CN" altLang="en-US" sz="1600" dirty="0">
                 <a:latin typeface="Arial" panose="020B0604020202020204" pitchFamily="34" charset="0"/>
                 <a:ea typeface="微软雅黑" panose="020B0503020204020204" pitchFamily="34" charset="-122"/>
               </a:rPr>
-              <a:t>idf</a:t>
+              <a:t>）</a:t>
+            </a:r>
+          </a:p>
+          <a:p>
+            <a:pPr marL="742950" lvl="1" indent="-285750">
+              <a:lnSpc>
+                <a:spcPct val="130000"/>
+              </a:lnSpc>
+              <a:buFont typeface="Wingdings" panose="05000000000000000000" charset="0"/>
+              <a:buChar char="Ø"/>
+            </a:pPr>
+            <a:r>
+              <a:rPr lang="zh-CN" altLang="en-US" sz="1600" dirty="0">
+                <a:latin typeface="Arial" panose="020B0604020202020204" pitchFamily="34" charset="0"/>
+                <a:ea typeface="微软雅黑" panose="020B0503020204020204" pitchFamily="34" charset="-122"/>
+              </a:rPr>
+              <a:t>宏：可编程背键</a:t>
+            </a:r>
+            <a:endParaRPr lang="en-US" altLang="zh-CN" sz="1600" dirty="0">
+              <a:latin typeface="Arial" panose="020B0604020202020204" pitchFamily="34" charset="0"/>
+              <a:ea typeface="微软雅黑" panose="020B0503020204020204" pitchFamily="34" charset="-122"/>
+            </a:endParaRPr>
+          </a:p>
+          <a:p>
+            <a:pPr marL="742950" lvl="1" indent="-285750">
+              <a:lnSpc>
+                <a:spcPct val="130000"/>
+              </a:lnSpc>
+              <a:buFont typeface="Wingdings" panose="05000000000000000000" charset="0"/>
+              <a:buChar char="Ø"/>
+            </a:pPr>
+            <a:r>
+              <a:rPr lang="zh-CN" altLang="en-US" sz="1600" dirty="0">
+                <a:latin typeface="Arial" panose="020B0604020202020204" pitchFamily="34" charset="0"/>
+                <a:ea typeface="微软雅黑" panose="020B0503020204020204" pitchFamily="34" charset="-122"/>
+              </a:rPr>
+              <a:t>内外死区可调</a:t>
+            </a:r>
+            <a:endParaRPr lang="en-US" altLang="zh-CN" sz="1600" dirty="0">
+              <a:latin typeface="Arial" panose="020B0604020202020204" pitchFamily="34" charset="0"/>
+              <a:ea typeface="微软雅黑" panose="020B0503020204020204" pitchFamily="34" charset="-122"/>
+            </a:endParaRPr>
+          </a:p>
+          <a:p>
+            <a:pPr marL="285750" indent="-285750">
+              <a:lnSpc>
+                <a:spcPct val="130000"/>
+              </a:lnSpc>
+              <a:buFont typeface="Wingdings" panose="05000000000000000000" charset="0"/>
+              <a:buChar char="Ø"/>
+            </a:pPr>
+            <a:r>
+              <a:rPr lang="zh-CN" altLang="en-US" sz="1600" dirty="0">
+                <a:latin typeface="Arial" panose="020B0604020202020204" pitchFamily="34" charset="0"/>
+                <a:ea typeface="微软雅黑" panose="020B0503020204020204" pitchFamily="34" charset="-122"/>
+              </a:rPr>
+              <a:t>体感：可调马达震动强度。（非线性震动需要私有协议，较难实现）</a:t>
+            </a:r>
+            <a:endParaRPr lang="en-US" altLang="zh-CN" sz="1600" dirty="0">
+              <a:latin typeface="Arial" panose="020B0604020202020204" pitchFamily="34" charset="0"/>
+              <a:ea typeface="微软雅黑" panose="020B0503020204020204" pitchFamily="34" charset="-122"/>
+            </a:endParaRPr>
+          </a:p>
+          <a:p>
+            <a:pPr marL="285750" indent="-285750">
+              <a:lnSpc>
+                <a:spcPct val="130000"/>
+              </a:lnSpc>
+              <a:buFont typeface="Wingdings" panose="05000000000000000000" charset="0"/>
+              <a:buChar char="Ø"/>
+            </a:pPr>
+            <a:r>
+              <a:rPr lang="zh-CN" altLang="en-US" sz="1600" dirty="0">
+                <a:latin typeface="Arial" panose="020B0604020202020204" pitchFamily="34" charset="0"/>
+                <a:ea typeface="微软雅黑" panose="020B0503020204020204" pitchFamily="34" charset="-122"/>
+              </a:rPr>
+              <a:t>外观：</a:t>
             </a:r>
             <a:r>
               <a:rPr lang="en-US" altLang="zh-CN" sz="1600" dirty="0">
                 <a:latin typeface="Arial" panose="020B0604020202020204" pitchFamily="34" charset="0"/>
                 <a:ea typeface="微软雅黑" panose="020B0503020204020204" pitchFamily="34" charset="-122"/>
               </a:rPr>
-              <a:t>-sys (</a:t>
-            </a:r>
-            <a:r>
-              <a:rPr lang="en-US" altLang="zh-CN" sz="1600" dirty="0">
-                <a:latin typeface="Arial" panose="020B0604020202020204" pitchFamily="34" charset="0"/>
-                <a:ea typeface="微软雅黑" panose="020B0503020204020204" pitchFamily="34" charset="-122"/>
-                <a:hlinkClick r:id="rId7"/>
-              </a:rPr>
-              <a:t>https://github.com/esp-rs/esp-idf-sys</a:t>
-            </a:r>
-            <a:r>
-              <a:rPr lang="en-US" altLang="zh-CN" sz="1600" dirty="0">
-                <a:latin typeface="Arial" panose="020B0604020202020204" pitchFamily="34" charset="0"/>
-                <a:ea typeface="微软雅黑" panose="020B0503020204020204" pitchFamily="34" charset="-122"/>
-              </a:rPr>
-              <a:t>) </a:t>
+              <a:t>RGB </a:t>
             </a:r>
             <a:r>
               <a:rPr lang="zh-CN" altLang="en-US" sz="1600" dirty="0">
                 <a:latin typeface="Arial" panose="020B0604020202020204" pitchFamily="34" charset="0"/>
                 <a:ea typeface="微软雅黑" panose="020B0503020204020204" pitchFamily="34" charset="-122"/>
               </a:rPr>
-              <a:t>进行 </a:t>
+              <a:t>灯效</a:t>
             </a:r>
+          </a:p>
+        </p:txBody>
+      </p:sp>
+      <p:pic>
+        <p:nvPicPr>
+          <p:cNvPr id="10" name="图片 9" descr="图片包含 壁球, 游戏机, 体育&#10;&#10;描述已自动生成">
+            <a:extLst>
+              <a:ext uri="{FF2B5EF4-FFF2-40B4-BE49-F238E27FC236}">
+                <a16:creationId xmlns:a16="http://schemas.microsoft.com/office/drawing/2014/main" id="{E687534C-9023-76A2-B14C-7DED45F5DA3A}"/>
+              </a:ext>
+            </a:extLst>
+          </p:cNvPr>
+          <p:cNvPicPr>
+            <a:picLocks noChangeAspect="1"/>
+          </p:cNvPicPr>
+          <p:nvPr/>
+        </p:nvPicPr>
+        <p:blipFill>
+          <a:blip r:embed="rId6">
+            <a:extLst>
+              <a:ext uri="{28A0092B-C50C-407E-A947-70E740481C1C}">
+                <a14:useLocalDpi xmlns:a14="http://schemas.microsoft.com/office/drawing/2010/main" val="0"/>
+              </a:ext>
+            </a:extLst>
+          </a:blip>
+          <a:srcRect l="8337" t="11466" r="4108" b="13500"/>
+          <a:stretch/>
+        </p:blipFill>
+        <p:spPr>
+          <a:xfrm>
+            <a:off x="7688422" y="577586"/>
+            <a:ext cx="3943795" cy="3806076"/>
+          </a:xfrm>
+          <a:prstGeom prst="rect">
+            <a:avLst/>
+          </a:prstGeom>
+        </p:spPr>
+      </p:pic>
+      <p:sp>
+        <p:nvSpPr>
+          <p:cNvPr id="16" name="椭圆 15">
+            <a:extLst>
+              <a:ext uri="{FF2B5EF4-FFF2-40B4-BE49-F238E27FC236}">
+                <a16:creationId xmlns:a16="http://schemas.microsoft.com/office/drawing/2014/main" id="{89B7A555-24A8-6BB2-A4B6-2D61D554AD34}"/>
+              </a:ext>
+            </a:extLst>
+          </p:cNvPr>
+          <p:cNvSpPr/>
+          <p:nvPr/>
+        </p:nvSpPr>
+        <p:spPr>
+          <a:xfrm>
+            <a:off x="9619861" y="2454163"/>
+            <a:ext cx="119768" cy="119768"/>
+          </a:xfrm>
+          <a:prstGeom prst="ellipse">
+            <a:avLst/>
+          </a:prstGeom>
+          <a:solidFill>
+            <a:schemeClr val="accent4">
+              <a:lumMod val="60000"/>
+              <a:lumOff val="40000"/>
+            </a:schemeClr>
+          </a:solidFill>
+          <a:ln>
+            <a:noFill/>
+          </a:ln>
+        </p:spPr>
+        <p:style>
+          <a:lnRef idx="2">
+            <a:schemeClr val="accent1">
+              <a:shade val="50000"/>
+            </a:schemeClr>
+          </a:lnRef>
+          <a:fillRef idx="1">
+            <a:schemeClr val="accent1"/>
+          </a:fillRef>
+          <a:effectRef idx="0">
+            <a:schemeClr val="accent1"/>
+          </a:effectRef>
+          <a:fontRef idx="minor">
+            <a:schemeClr val="lt1"/>
+          </a:fontRef>
+        </p:style>
+        <p:txBody>
+          <a:bodyPr rtlCol="0" anchor="ctr"/>
+          <a:lstStyle/>
+          <a:p>
+            <a:pPr algn="ctr"/>
+            <a:endParaRPr lang="zh-CN" altLang="en-US"/>
+          </a:p>
+        </p:txBody>
+      </p:sp>
+      <p:sp>
+        <p:nvSpPr>
+          <p:cNvPr id="18" name="文本框 17">
+            <a:extLst>
+              <a:ext uri="{FF2B5EF4-FFF2-40B4-BE49-F238E27FC236}">
+                <a16:creationId xmlns:a16="http://schemas.microsoft.com/office/drawing/2014/main" id="{5DD19543-47F2-5B3F-DE16-043A3CC33772}"/>
+              </a:ext>
+            </a:extLst>
+          </p:cNvPr>
+          <p:cNvSpPr txBox="1"/>
+          <p:nvPr/>
+        </p:nvSpPr>
+        <p:spPr>
+          <a:xfrm>
+            <a:off x="9048803" y="4381936"/>
+            <a:ext cx="1261884" cy="344710"/>
+          </a:xfrm>
+          <a:prstGeom prst="rect">
+            <a:avLst/>
+          </a:prstGeom>
+          <a:noFill/>
+        </p:spPr>
+        <p:txBody>
+          <a:bodyPr wrap="none" rtlCol="0">
+            <a:spAutoFit/>
+          </a:bodyPr>
+          <a:lstStyle/>
+          <a:p>
+            <a:pPr>
+              <a:lnSpc>
+                <a:spcPct val="130000"/>
+              </a:lnSpc>
+            </a:pPr>
             <a:r>
-              <a:rPr lang="en-US" altLang="zh-CN" sz="1600" dirty="0">
+              <a:rPr lang="zh-CN" altLang="en-US" sz="1400" dirty="0">
                 <a:latin typeface="Arial" panose="020B0604020202020204" pitchFamily="34" charset="0"/>
                 <a:ea typeface="微软雅黑" panose="020B0503020204020204" pitchFamily="34" charset="-122"/>
               </a:rPr>
-              <a:t>Rust </a:t>
-            </a:r>
-            <a:r>
-              <a:rPr lang="zh-CN" altLang="en-US" sz="1600" dirty="0">
-                <a:latin typeface="Arial" panose="020B0604020202020204" pitchFamily="34" charset="0"/>
-                <a:ea typeface="微软雅黑" panose="020B0503020204020204" pitchFamily="34" charset="-122"/>
-              </a:rPr>
-              <a:t>和 </a:t>
-            </a:r>
-            <a:r>
-              <a:rPr lang="en-US" altLang="zh-CN" sz="1600" dirty="0">
-                <a:latin typeface="Arial" panose="020B0604020202020204" pitchFamily="34" charset="0"/>
-                <a:ea typeface="微软雅黑" panose="020B0503020204020204" pitchFamily="34" charset="-122"/>
-              </a:rPr>
-              <a:t>C </a:t>
-            </a:r>
-            <a:r>
-              <a:rPr lang="zh-CN" altLang="en-US" sz="1600" dirty="0">
-                <a:latin typeface="Arial" panose="020B0604020202020204" pitchFamily="34" charset="0"/>
-                <a:ea typeface="微软雅黑" panose="020B0503020204020204" pitchFamily="34" charset="-122"/>
-              </a:rPr>
-              <a:t>语言的混合开发。</a:t>
+              <a:t>摇杆画圆测试</a:t>
             </a:r>
           </a:p>
         </p:txBody>

--- a/信息科学与工程学院/信息技术工程导论/软件设计.pptx
+++ b/信息科学与工程学院/信息技术工程导论/软件设计.pptx
@@ -221,7 +221,7 @@
           <a:p>
             <a:fld id="{C397106C-D5AE-420C-BEF8-088D4D6B8388}" type="datetimeFigureOut">
               <a:rPr lang="zh-CN" altLang="en-US" smtClean="0"/>
-              <a:t>2024.10.20</a:t>
+              <a:t>2024.10.23</a:t>
             </a:fld>
             <a:endParaRPr lang="zh-CN" altLang="en-US"/>
           </a:p>
@@ -4156,8 +4156,8 @@
         </p:nvSpPr>
         <p:spPr>
           <a:xfrm>
-            <a:off x="688818" y="3719509"/>
-            <a:ext cx="10509885" cy="2621423"/>
+            <a:off x="688818" y="4310502"/>
+            <a:ext cx="10509885" cy="1341073"/>
           </a:xfrm>
           <a:prstGeom prst="rect">
             <a:avLst/>
@@ -4265,237 +4265,6 @@
               <a:latin typeface="Arial" panose="020B0604020202020204" pitchFamily="34" charset="0"/>
               <a:ea typeface="微软雅黑" panose="020B0503020204020204" pitchFamily="34" charset="-122"/>
             </a:endParaRPr>
-          </a:p>
-          <a:p>
-            <a:pPr marL="285750" indent="-285750">
-              <a:lnSpc>
-                <a:spcPct val="130000"/>
-              </a:lnSpc>
-              <a:buFont typeface="Wingdings" panose="05000000000000000000" charset="0"/>
-              <a:buChar char="Ø"/>
-            </a:pPr>
-            <a:r>
-              <a:rPr lang="en-US" altLang="zh-CN" sz="1600" dirty="0">
-                <a:latin typeface="Arial" panose="020B0604020202020204" pitchFamily="34" charset="0"/>
-                <a:ea typeface="微软雅黑" panose="020B0503020204020204" pitchFamily="34" charset="-122"/>
-              </a:rPr>
-              <a:t>ESP32-S3 </a:t>
-            </a:r>
-            <a:r>
-              <a:rPr lang="zh-CN" altLang="en-US" sz="1600" dirty="0">
-                <a:latin typeface="Arial" panose="020B0604020202020204" pitchFamily="34" charset="0"/>
-                <a:ea typeface="微软雅黑" panose="020B0503020204020204" pitchFamily="34" charset="-122"/>
-              </a:rPr>
-              <a:t>芯片组： </a:t>
-            </a:r>
-            <a:endParaRPr lang="en-US" altLang="zh-CN" sz="1600" dirty="0">
-              <a:latin typeface="Arial" panose="020B0604020202020204" pitchFamily="34" charset="0"/>
-              <a:ea typeface="微软雅黑" panose="020B0503020204020204" pitchFamily="34" charset="-122"/>
-            </a:endParaRPr>
-          </a:p>
-          <a:p>
-            <a:pPr marL="742950" lvl="1" indent="-285750">
-              <a:lnSpc>
-                <a:spcPct val="130000"/>
-              </a:lnSpc>
-              <a:buFont typeface="Wingdings" panose="05000000000000000000" charset="0"/>
-              <a:buChar char="Ø"/>
-            </a:pPr>
-            <a:r>
-              <a:rPr lang="zh-CN" altLang="en-US" sz="1600" dirty="0">
-                <a:latin typeface="Arial" panose="020B0604020202020204" pitchFamily="34" charset="0"/>
-                <a:ea typeface="微软雅黑" panose="020B0503020204020204" pitchFamily="34" charset="-122"/>
-              </a:rPr>
-              <a:t>使用 </a:t>
-            </a:r>
-            <a:r>
-              <a:rPr lang="en-US" altLang="zh-CN" sz="1600" dirty="0" err="1">
-                <a:latin typeface="Arial" panose="020B0604020202020204" pitchFamily="34" charset="0"/>
-                <a:ea typeface="微软雅黑" panose="020B0503020204020204" pitchFamily="34" charset="-122"/>
-              </a:rPr>
-              <a:t>Espressif</a:t>
-            </a:r>
-            <a:r>
-              <a:rPr lang="en-US" altLang="zh-CN" sz="1600" dirty="0">
-                <a:latin typeface="Arial" panose="020B0604020202020204" pitchFamily="34" charset="0"/>
-                <a:ea typeface="微软雅黑" panose="020B0503020204020204" pitchFamily="34" charset="-122"/>
-              </a:rPr>
-              <a:t> </a:t>
-            </a:r>
-            <a:r>
-              <a:rPr lang="zh-CN" altLang="en-US" sz="1600" dirty="0">
-                <a:latin typeface="Arial" panose="020B0604020202020204" pitchFamily="34" charset="0"/>
-                <a:ea typeface="微软雅黑" panose="020B0503020204020204" pitchFamily="34" charset="-122"/>
-              </a:rPr>
-              <a:t>官方 </a:t>
-            </a:r>
-            <a:r>
-              <a:rPr lang="en-US" altLang="zh-CN" sz="1600" dirty="0" err="1">
-                <a:latin typeface="Arial" panose="020B0604020202020204" pitchFamily="34" charset="0"/>
-                <a:ea typeface="微软雅黑" panose="020B0503020204020204" pitchFamily="34" charset="-122"/>
-              </a:rPr>
-              <a:t>esp-idf</a:t>
-            </a:r>
-            <a:r>
-              <a:rPr lang="en-US" altLang="zh-CN" sz="1600" dirty="0">
-                <a:latin typeface="Arial" panose="020B0604020202020204" pitchFamily="34" charset="0"/>
-                <a:ea typeface="微软雅黑" panose="020B0503020204020204" pitchFamily="34" charset="-122"/>
-              </a:rPr>
-              <a:t> </a:t>
-            </a:r>
-            <a:r>
-              <a:rPr lang="zh-CN" altLang="en-US" sz="1600" dirty="0">
-                <a:latin typeface="Arial" panose="020B0604020202020204" pitchFamily="34" charset="0"/>
-                <a:ea typeface="微软雅黑" panose="020B0503020204020204" pitchFamily="34" charset="-122"/>
-              </a:rPr>
-              <a:t>开发工具 </a:t>
-            </a:r>
-            <a:r>
-              <a:rPr lang="en-US" altLang="zh-CN" sz="1600" dirty="0">
-                <a:latin typeface="Arial" panose="020B0604020202020204" pitchFamily="34" charset="0"/>
-                <a:ea typeface="微软雅黑" panose="020B0503020204020204" pitchFamily="34" charset="-122"/>
-              </a:rPr>
-              <a:t>(https://github.com/espressif/esp-idf) </a:t>
-            </a:r>
-            <a:r>
-              <a:rPr lang="zh-CN" altLang="en-US" sz="1600" dirty="0">
-                <a:latin typeface="Arial" panose="020B0604020202020204" pitchFamily="34" charset="0"/>
-                <a:ea typeface="微软雅黑" panose="020B0503020204020204" pitchFamily="34" charset="-122"/>
-              </a:rPr>
-              <a:t>进行开发 </a:t>
-            </a:r>
-            <a:endParaRPr lang="en-US" altLang="zh-CN" sz="1600" dirty="0">
-              <a:latin typeface="Arial" panose="020B0604020202020204" pitchFamily="34" charset="0"/>
-              <a:ea typeface="微软雅黑" panose="020B0503020204020204" pitchFamily="34" charset="-122"/>
-            </a:endParaRPr>
-          </a:p>
-          <a:p>
-            <a:pPr marL="742950" lvl="1" indent="-285750">
-              <a:lnSpc>
-                <a:spcPct val="130000"/>
-              </a:lnSpc>
-              <a:buFont typeface="Wingdings" panose="05000000000000000000" charset="0"/>
-              <a:buChar char="Ø"/>
-            </a:pPr>
-            <a:r>
-              <a:rPr lang="zh-CN" altLang="en-US" sz="1600" dirty="0">
-                <a:latin typeface="Arial" panose="020B0604020202020204" pitchFamily="34" charset="0"/>
-                <a:ea typeface="微软雅黑" panose="020B0503020204020204" pitchFamily="34" charset="-122"/>
-              </a:rPr>
-              <a:t>使用 </a:t>
-            </a:r>
-            <a:r>
-              <a:rPr lang="en-US" altLang="zh-CN" sz="1600" dirty="0">
-                <a:latin typeface="Arial" panose="020B0604020202020204" pitchFamily="34" charset="0"/>
-                <a:ea typeface="微软雅黑" panose="020B0503020204020204" pitchFamily="34" charset="-122"/>
-              </a:rPr>
-              <a:t>Arduino Core for ESP32 (</a:t>
-            </a:r>
-            <a:r>
-              <a:rPr lang="en-US" altLang="zh-CN" sz="1600" dirty="0">
-                <a:latin typeface="Arial" panose="020B0604020202020204" pitchFamily="34" charset="0"/>
-                <a:ea typeface="微软雅黑" panose="020B0503020204020204" pitchFamily="34" charset="-122"/>
-                <a:hlinkClick r:id="rId5"/>
-              </a:rPr>
-              <a:t>https://github.com/espressif/arduino-esp32</a:t>
-            </a:r>
-            <a:r>
-              <a:rPr lang="en-US" altLang="zh-CN" sz="1600" dirty="0">
-                <a:latin typeface="Arial" panose="020B0604020202020204" pitchFamily="34" charset="0"/>
-                <a:ea typeface="微软雅黑" panose="020B0503020204020204" pitchFamily="34" charset="-122"/>
-              </a:rPr>
-              <a:t>) </a:t>
-            </a:r>
-            <a:r>
-              <a:rPr lang="zh-CN" altLang="en-US" sz="1600" dirty="0">
-                <a:latin typeface="Arial" panose="020B0604020202020204" pitchFamily="34" charset="0"/>
-                <a:ea typeface="微软雅黑" panose="020B0503020204020204" pitchFamily="34" charset="-122"/>
-              </a:rPr>
-              <a:t>一站式开发</a:t>
-            </a:r>
-            <a:endParaRPr lang="en-US" altLang="zh-CN" sz="1600" dirty="0">
-              <a:latin typeface="Arial" panose="020B0604020202020204" pitchFamily="34" charset="0"/>
-              <a:ea typeface="微软雅黑" panose="020B0503020204020204" pitchFamily="34" charset="-122"/>
-            </a:endParaRPr>
-          </a:p>
-          <a:p>
-            <a:pPr marL="742950" lvl="1" indent="-285750">
-              <a:lnSpc>
-                <a:spcPct val="130000"/>
-              </a:lnSpc>
-              <a:buFont typeface="Wingdings" panose="05000000000000000000" charset="0"/>
-              <a:buChar char="Ø"/>
-            </a:pPr>
-            <a:r>
-              <a:rPr lang="zh-CN" altLang="en-US" sz="1600" dirty="0">
-                <a:latin typeface="Arial" panose="020B0604020202020204" pitchFamily="34" charset="0"/>
-                <a:ea typeface="微软雅黑" panose="020B0503020204020204" pitchFamily="34" charset="-122"/>
-              </a:rPr>
-              <a:t>使用 </a:t>
-            </a:r>
-            <a:r>
-              <a:rPr lang="en-US" altLang="zh-CN" sz="1600" dirty="0" err="1">
-                <a:latin typeface="Arial" panose="020B0604020202020204" pitchFamily="34" charset="0"/>
-                <a:ea typeface="微软雅黑" panose="020B0503020204020204" pitchFamily="34" charset="-122"/>
-              </a:rPr>
-              <a:t>esp</a:t>
-            </a:r>
-            <a:r>
-              <a:rPr lang="en-US" altLang="zh-CN" sz="1600" dirty="0">
-                <a:latin typeface="Arial" panose="020B0604020202020204" pitchFamily="34" charset="0"/>
-                <a:ea typeface="微软雅黑" panose="020B0503020204020204" pitchFamily="34" charset="-122"/>
-              </a:rPr>
-              <a:t>-</a:t>
-            </a:r>
-            <a:r>
-              <a:rPr lang="en-US" altLang="zh-CN" sz="1600" dirty="0" err="1">
-                <a:latin typeface="Arial" panose="020B0604020202020204" pitchFamily="34" charset="0"/>
-                <a:ea typeface="微软雅黑" panose="020B0503020204020204" pitchFamily="34" charset="-122"/>
-              </a:rPr>
-              <a:t>idf</a:t>
-            </a:r>
-            <a:r>
-              <a:rPr lang="en-US" altLang="zh-CN" sz="1600" dirty="0">
-                <a:latin typeface="Arial" panose="020B0604020202020204" pitchFamily="34" charset="0"/>
-                <a:ea typeface="微软雅黑" panose="020B0503020204020204" pitchFamily="34" charset="-122"/>
-              </a:rPr>
-              <a:t>-sys (https://github.com/esp-rs/esp-idf-sys) </a:t>
-            </a:r>
-            <a:r>
-              <a:rPr lang="zh-CN" altLang="en-US" sz="1600" dirty="0">
-                <a:latin typeface="Arial" panose="020B0604020202020204" pitchFamily="34" charset="0"/>
-                <a:ea typeface="微软雅黑" panose="020B0503020204020204" pitchFamily="34" charset="-122"/>
-              </a:rPr>
-              <a:t>进行 </a:t>
-            </a:r>
-            <a:r>
-              <a:rPr lang="en-US" altLang="zh-CN" sz="1600" dirty="0">
-                <a:latin typeface="Arial" panose="020B0604020202020204" pitchFamily="34" charset="0"/>
-                <a:ea typeface="微软雅黑" panose="020B0503020204020204" pitchFamily="34" charset="-122"/>
-              </a:rPr>
-              <a:t>Rust </a:t>
-            </a:r>
-            <a:r>
-              <a:rPr lang="zh-CN" altLang="en-US" sz="1600" dirty="0">
-                <a:latin typeface="Arial" panose="020B0604020202020204" pitchFamily="34" charset="0"/>
-                <a:ea typeface="微软雅黑" panose="020B0503020204020204" pitchFamily="34" charset="-122"/>
-              </a:rPr>
-              <a:t>和 </a:t>
-            </a:r>
-            <a:r>
-              <a:rPr lang="en-US" altLang="zh-CN" sz="1600" dirty="0">
-                <a:latin typeface="Arial" panose="020B0604020202020204" pitchFamily="34" charset="0"/>
-                <a:ea typeface="微软雅黑" panose="020B0503020204020204" pitchFamily="34" charset="-122"/>
-              </a:rPr>
-              <a:t>C </a:t>
-            </a:r>
-            <a:r>
-              <a:rPr lang="zh-CN" altLang="en-US" sz="1600" dirty="0">
-                <a:latin typeface="Arial" panose="020B0604020202020204" pitchFamily="34" charset="0"/>
-                <a:ea typeface="微软雅黑" panose="020B0503020204020204" pitchFamily="34" charset="-122"/>
-              </a:rPr>
-              <a:t>语言的混合开发</a:t>
-            </a:r>
           </a:p>
         </p:txBody>
       </p:sp>
@@ -4723,7 +4492,7 @@
           <p:nvPr/>
         </p:nvPicPr>
         <p:blipFill>
-          <a:blip r:embed="rId6">
+          <a:blip r:embed="rId5">
             <a:extLst>
               <a:ext uri="{28A0092B-C50C-407E-A947-70E740481C1C}">
                 <a14:useLocalDpi xmlns:a14="http://schemas.microsoft.com/office/drawing/2010/main" val="0"/>
